--- a/Planung/GDV- Das Projekt2.0.pptx
+++ b/Planung/GDV- Das Projekt2.0.pptx
@@ -355,7 +355,7 @@
           <a:p>
             <a:fld id="{EF89B6B9-B857-4877-A1E1-A78A6A94EA51}" type="datetimeFigureOut">
               <a:rPr lang="de-DE" smtClean="0"/>
-              <a:t>17.06.2015</a:t>
+              <a:t>23.06.2015</a:t>
             </a:fld>
             <a:endParaRPr lang="de-DE"/>
           </a:p>
@@ -537,7 +537,7 @@
           <a:p>
             <a:fld id="{EF89B6B9-B857-4877-A1E1-A78A6A94EA51}" type="datetimeFigureOut">
               <a:rPr lang="de-DE" smtClean="0"/>
-              <a:t>17.06.2015</a:t>
+              <a:t>23.06.2015</a:t>
             </a:fld>
             <a:endParaRPr lang="de-DE"/>
           </a:p>
@@ -729,7 +729,7 @@
           <a:p>
             <a:fld id="{EF89B6B9-B857-4877-A1E1-A78A6A94EA51}" type="datetimeFigureOut">
               <a:rPr lang="de-DE" smtClean="0"/>
-              <a:t>17.06.2015</a:t>
+              <a:t>23.06.2015</a:t>
             </a:fld>
             <a:endParaRPr lang="de-DE"/>
           </a:p>
@@ -975,7 +975,7 @@
           <a:p>
             <a:fld id="{EF89B6B9-B857-4877-A1E1-A78A6A94EA51}" type="datetimeFigureOut">
               <a:rPr lang="de-DE" smtClean="0"/>
-              <a:t>17.06.2015</a:t>
+              <a:t>23.06.2015</a:t>
             </a:fld>
             <a:endParaRPr lang="de-DE"/>
           </a:p>
@@ -1233,7 +1233,7 @@
           <a:p>
             <a:fld id="{EF89B6B9-B857-4877-A1E1-A78A6A94EA51}" type="datetimeFigureOut">
               <a:rPr lang="de-DE" smtClean="0"/>
-              <a:t>17.06.2015</a:t>
+              <a:t>23.06.2015</a:t>
             </a:fld>
             <a:endParaRPr lang="de-DE"/>
           </a:p>
@@ -1533,7 +1533,7 @@
           <a:p>
             <a:fld id="{EF89B6B9-B857-4877-A1E1-A78A6A94EA51}" type="datetimeFigureOut">
               <a:rPr lang="de-DE" smtClean="0"/>
-              <a:t>17.06.2015</a:t>
+              <a:t>23.06.2015</a:t>
             </a:fld>
             <a:endParaRPr lang="de-DE"/>
           </a:p>
@@ -1967,7 +1967,7 @@
           <a:p>
             <a:fld id="{EF89B6B9-B857-4877-A1E1-A78A6A94EA51}" type="datetimeFigureOut">
               <a:rPr lang="de-DE" smtClean="0"/>
-              <a:t>17.06.2015</a:t>
+              <a:t>23.06.2015</a:t>
             </a:fld>
             <a:endParaRPr lang="de-DE"/>
           </a:p>
@@ -2097,7 +2097,7 @@
           <a:p>
             <a:fld id="{EF89B6B9-B857-4877-A1E1-A78A6A94EA51}" type="datetimeFigureOut">
               <a:rPr lang="de-DE" smtClean="0"/>
-              <a:t>17.06.2015</a:t>
+              <a:t>23.06.2015</a:t>
             </a:fld>
             <a:endParaRPr lang="de-DE"/>
           </a:p>
@@ -2204,7 +2204,7 @@
           <a:p>
             <a:fld id="{EF89B6B9-B857-4877-A1E1-A78A6A94EA51}" type="datetimeFigureOut">
               <a:rPr lang="de-DE" smtClean="0"/>
-              <a:t>17.06.2015</a:t>
+              <a:t>23.06.2015</a:t>
             </a:fld>
             <a:endParaRPr lang="de-DE"/>
           </a:p>
@@ -2493,7 +2493,7 @@
           <a:p>
             <a:fld id="{EF89B6B9-B857-4877-A1E1-A78A6A94EA51}" type="datetimeFigureOut">
               <a:rPr lang="de-DE" smtClean="0"/>
-              <a:t>17.06.2015</a:t>
+              <a:t>23.06.2015</a:t>
             </a:fld>
             <a:endParaRPr lang="de-DE"/>
           </a:p>
@@ -2765,7 +2765,7 @@
           <a:p>
             <a:fld id="{EF89B6B9-B857-4877-A1E1-A78A6A94EA51}" type="datetimeFigureOut">
               <a:rPr lang="de-DE" smtClean="0"/>
-              <a:t>17.06.2015</a:t>
+              <a:t>23.06.2015</a:t>
             </a:fld>
             <a:endParaRPr lang="de-DE"/>
           </a:p>
@@ -3046,7 +3046,7 @@
           <a:p>
             <a:fld id="{EF89B6B9-B857-4877-A1E1-A78A6A94EA51}" type="datetimeFigureOut">
               <a:rPr lang="de-DE" smtClean="0"/>
-              <a:t>17.06.2015</a:t>
+              <a:t>23.06.2015</a:t>
             </a:fld>
             <a:endParaRPr lang="de-DE"/>
           </a:p>
@@ -3607,11 +3607,7 @@
           <a:p>
             <a:r>
               <a:rPr lang="de-DE" sz="2400" dirty="0" smtClean="0"/>
-              <a:t>Ludwig Loth, </a:t>
-            </a:r>
-            <a:r>
-              <a:rPr lang="de-DE" sz="2400" dirty="0" smtClean="0"/>
-              <a:t>Markus Wiegand, Nils Jahnel, Sven </a:t>
+              <a:t>Ludwig Loth, Markus Wiegand, Nils Jahnel, Sven </a:t>
             </a:r>
             <a:r>
               <a:rPr lang="de-DE" sz="2400" dirty="0" err="1" smtClean="0"/>
@@ -3945,45 +3941,52 @@
         <p:spPr/>
         <p:txBody>
           <a:bodyPr>
-            <a:normAutofit fontScale="70000" lnSpcReduction="20000"/>
+            <a:normAutofit fontScale="85000" lnSpcReduction="20000"/>
           </a:bodyPr>
           <a:lstStyle/>
           <a:p>
+            <a:pPr marL="0" indent="0">
+              <a:buNone/>
+            </a:pPr>
             <a:r>
               <a:rPr lang="de-DE" dirty="0"/>
-              <a:t>Das Rennen</a:t>
-            </a:r>
-          </a:p>
-          <a:p>
-            <a:pPr algn="just"/>
-            <a:r>
-              <a:rPr lang="de-DE" dirty="0"/>
-              <a:t>Beim Aufrufen der Webseite erscheint ein </a:t>
-            </a:r>
-            <a:r>
-              <a:rPr lang="de-DE" dirty="0" err="1"/>
-              <a:t>StartButton</a:t>
-            </a:r>
-            <a:r>
-              <a:rPr lang="de-DE" dirty="0"/>
-              <a:t> mit dem man die Anwendung starten kann. Damit man einen kleinen Eindruck bekommen kann, was da passiert sieht man ein Video im Hintergrund. Nachdem man auf Start geklickt hat, erscheint ein neues Fenster mit einem Rennwagen auf einem Podest, das sich dreht und eine Farbpalette am Rand. Mit dieser Farbpalette kann man die Farbe des Rennwagens einstellen.  Nach einem Klick auf Weiter, kann man eine Strecke auswählen.  Letztlich gibt es dann noch den </a:t>
-            </a:r>
-            <a:r>
-              <a:rPr lang="de-DE" dirty="0" err="1"/>
-              <a:t>StartButton</a:t>
-            </a:r>
-            <a:r>
-              <a:rPr lang="de-DE" dirty="0"/>
-              <a:t> mit dem man das Rennen starten kann. Wobei Rennen in diesem Sinne bedeutet, dass man alleine auf der Strecke herum fahren kann. Mit </a:t>
-            </a:r>
-            <a:r>
-              <a:rPr lang="de-DE" dirty="0" err="1"/>
-              <a:t>Escape</a:t>
-            </a:r>
-            <a:r>
-              <a:rPr lang="de-DE" dirty="0"/>
-              <a:t> kann man das Rennen beenden und sieht die gefahrene Zeit, danach kommt man wieder zum Start-Bildschirm.</a:t>
-            </a:r>
+              <a:t>Das </a:t>
+            </a:r>
+            <a:r>
+              <a:rPr lang="de-DE" dirty="0" smtClean="0"/>
+              <a:t>Rennen- Till </a:t>
+            </a:r>
+            <a:r>
+              <a:rPr lang="de-DE" dirty="0" err="1" smtClean="0"/>
+              <a:t>the</a:t>
+            </a:r>
+            <a:r>
+              <a:rPr lang="de-DE" dirty="0" smtClean="0"/>
+              <a:t> </a:t>
+            </a:r>
+            <a:r>
+              <a:rPr lang="de-DE" dirty="0" err="1" smtClean="0"/>
+              <a:t>Deas</a:t>
+            </a:r>
+            <a:endParaRPr lang="de-DE" dirty="0" smtClean="0"/>
+          </a:p>
+          <a:p>
+            <a:pPr marL="0" indent="0">
+              <a:buNone/>
+            </a:pPr>
+            <a:r>
+              <a:rPr lang="de-DE" dirty="0" smtClean="0"/>
+              <a:t>Bei diesem Spiel geht es bis zum Tod. Starte mit einer super coolen Karre und schlage die Gegner. Pass aber auf, fährst du zu riskant wird deine Karre das Ziel nie erreichen. Auf dich wartet eine Strecke voller Hindernisse und Ablenkungen. Weiche den Gefahren geschickt aus um deine Kontrahenten hinter dir zu lassen. Die Fahrbahn beinhaltet außerdem verschiedene Power-</a:t>
+            </a:r>
+            <a:r>
+              <a:rPr lang="de-DE" dirty="0" err="1" smtClean="0"/>
+              <a:t>Ups</a:t>
+            </a:r>
+            <a:r>
+              <a:rPr lang="de-DE" dirty="0" smtClean="0"/>
+              <a:t> welche dir den Weg zum Ziel erleichtern werden. Aber sei gewarnt, erreichen deine Gegner vor dir diese kleinen Schätze wird dir der Weg zum Ziel erschwert.  </a:t>
+            </a:r>
+            <a:endParaRPr lang="de-DE" dirty="0"/>
           </a:p>
           <a:p>
             <a:pPr marL="0" indent="0">
@@ -4295,7 +4298,7 @@
         </p:blipFill>
         <p:spPr bwMode="auto">
           <a:xfrm>
-            <a:off x="1666875" y="3021767"/>
+            <a:off x="1677508" y="3021767"/>
             <a:ext cx="8582025" cy="3553790"/>
           </a:xfrm>
           <a:prstGeom prst="rect">
@@ -5372,11 +5375,7 @@
             <a:pPr lvl="1"/>
             <a:r>
               <a:rPr lang="de-DE" sz="2000" dirty="0" smtClean="0"/>
-              <a:t>Erste </a:t>
-            </a:r>
-            <a:r>
-              <a:rPr lang="de-DE" sz="2000" dirty="0" smtClean="0"/>
-              <a:t>Texturierung</a:t>
+              <a:t>Erste Texturierung</a:t>
             </a:r>
           </a:p>
           <a:p>

--- a/Planung/GDV- Das Projekt2.0.pptx
+++ b/Planung/GDV- Das Projekt2.0.pptx
@@ -3941,7 +3941,7 @@
         <p:spPr/>
         <p:txBody>
           <a:bodyPr>
-            <a:normAutofit fontScale="85000" lnSpcReduction="20000"/>
+            <a:normAutofit fontScale="77500" lnSpcReduction="20000"/>
           </a:bodyPr>
           <a:lstStyle/>
           <a:p>
@@ -3976,7 +3976,7 @@
             </a:pPr>
             <a:r>
               <a:rPr lang="de-DE" dirty="0" smtClean="0"/>
-              <a:t>Bei diesem Spiel geht es bis zum Tod. Starte mit einer super coolen Karre und schlage die Gegner. Pass aber auf, fährst du zu riskant wird deine Karre das Ziel nie erreichen. Auf dich wartet eine Strecke voller Hindernisse und Ablenkungen. Weiche den Gefahren geschickt aus um deine Kontrahenten hinter dir zu lassen. Die Fahrbahn beinhaltet außerdem verschiedene Power-</a:t>
+              <a:t>Bei diesem Spiel geht es bis zum Tod. Starte mit einer super coolen Karre mit fettem Sound und schlage die Gegner auf schier unmöglichen Strecken. Pass aber auf, fährst du zu riskant wird deine Karre das Ziel nie erreichen. Auf dich wartet eine Strecke voller Hindernisse und Ablenkungen. Weiche den Gefahren geschickt aus um deine Kontrahenten hinter dir zu lassen. Die Fahrbahn beinhaltet außerdem verschiedene Power-</a:t>
             </a:r>
             <a:r>
               <a:rPr lang="de-DE" dirty="0" err="1" smtClean="0"/>
@@ -3984,7 +3984,19 @@
             </a:r>
             <a:r>
               <a:rPr lang="de-DE" dirty="0" smtClean="0"/>
-              <a:t> welche dir den Weg zum Ziel erleichtern werden. Aber sei gewarnt, erreichen deine Gegner vor dir diese kleinen Schätze wird dir der Weg zum Ziel erschwert.  </a:t>
+              <a:t> , die deine Karre verstärken. Aber sei gewarnt, erreichen deine Gegner vor dir diese kleinen Schätze wird dir der Weg zum Ziel erschwert. Also </a:t>
+            </a:r>
+            <a:r>
+              <a:rPr lang="de-DE" dirty="0" err="1" smtClean="0"/>
+              <a:t>steig</a:t>
+            </a:r>
+            <a:r>
+              <a:rPr lang="de-DE" dirty="0" smtClean="0"/>
+              <a:t> ein, fahr los und meistere dieses Abenteuer um der König </a:t>
+            </a:r>
+            <a:r>
+              <a:rPr lang="de-DE" smtClean="0"/>
+              <a:t>der Karren zu werden.</a:t>
             </a:r>
             <a:endParaRPr lang="de-DE" dirty="0"/>
           </a:p>
